--- a/canvas講習会.pptx
+++ b/canvas講習会.pptx
@@ -7890,7 +7890,7 @@
             </a:r>
             <a:r>
               <a:rPr lang="ja-JP" altLang="en-US"/>
-              <a:t>おんにちゃー</a:t>
+              <a:t>おんにちゃ</a:t>
             </a:r>
             <a:endParaRPr kumimoji="1" lang="ja-JP" altLang="en-US" dirty="0"/>
           </a:p>
